--- a/Convex Optimization/Unit Commitment.pptx
+++ b/Convex Optimization/Unit Commitment.pptx
@@ -16,6 +16,7 @@
     <p:sldId id="265" r:id="rId10"/>
     <p:sldId id="266" r:id="rId11"/>
     <p:sldId id="263" r:id="rId12"/>
+    <p:sldId id="267" r:id="rId13"/>
   </p:sldIdLst>
   <p:sldSz cx="12192000" cy="6858000"/>
   <p:notesSz cx="6858000" cy="9144000"/>
@@ -253,7 +254,7 @@
           <a:p>
             <a:fld id="{9A5D261F-A6ED-477E-A5DD-FFD658C10BE5}" type="datetimeFigureOut">
               <a:rPr lang="en-US" smtClean="0"/>
-              <a:t>16-Dec-18</a:t>
+              <a:t>17-Dec-18</a:t>
             </a:fld>
             <a:endParaRPr lang="en-US"/>
           </a:p>
@@ -423,7 +424,7 @@
           <a:p>
             <a:fld id="{9A5D261F-A6ED-477E-A5DD-FFD658C10BE5}" type="datetimeFigureOut">
               <a:rPr lang="en-US" smtClean="0"/>
-              <a:t>16-Dec-18</a:t>
+              <a:t>17-Dec-18</a:t>
             </a:fld>
             <a:endParaRPr lang="en-US"/>
           </a:p>
@@ -603,7 +604,7 @@
           <a:p>
             <a:fld id="{9A5D261F-A6ED-477E-A5DD-FFD658C10BE5}" type="datetimeFigureOut">
               <a:rPr lang="en-US" smtClean="0"/>
-              <a:t>16-Dec-18</a:t>
+              <a:t>17-Dec-18</a:t>
             </a:fld>
             <a:endParaRPr lang="en-US"/>
           </a:p>
@@ -773,7 +774,7 @@
           <a:p>
             <a:fld id="{9A5D261F-A6ED-477E-A5DD-FFD658C10BE5}" type="datetimeFigureOut">
               <a:rPr lang="en-US" smtClean="0"/>
-              <a:t>16-Dec-18</a:t>
+              <a:t>17-Dec-18</a:t>
             </a:fld>
             <a:endParaRPr lang="en-US"/>
           </a:p>
@@ -1019,7 +1020,7 @@
           <a:p>
             <a:fld id="{9A5D261F-A6ED-477E-A5DD-FFD658C10BE5}" type="datetimeFigureOut">
               <a:rPr lang="en-US" smtClean="0"/>
-              <a:t>16-Dec-18</a:t>
+              <a:t>17-Dec-18</a:t>
             </a:fld>
             <a:endParaRPr lang="en-US"/>
           </a:p>
@@ -1251,7 +1252,7 @@
           <a:p>
             <a:fld id="{9A5D261F-A6ED-477E-A5DD-FFD658C10BE5}" type="datetimeFigureOut">
               <a:rPr lang="en-US" smtClean="0"/>
-              <a:t>16-Dec-18</a:t>
+              <a:t>17-Dec-18</a:t>
             </a:fld>
             <a:endParaRPr lang="en-US"/>
           </a:p>
@@ -1618,7 +1619,7 @@
           <a:p>
             <a:fld id="{9A5D261F-A6ED-477E-A5DD-FFD658C10BE5}" type="datetimeFigureOut">
               <a:rPr lang="en-US" smtClean="0"/>
-              <a:t>16-Dec-18</a:t>
+              <a:t>17-Dec-18</a:t>
             </a:fld>
             <a:endParaRPr lang="en-US"/>
           </a:p>
@@ -1736,7 +1737,7 @@
           <a:p>
             <a:fld id="{9A5D261F-A6ED-477E-A5DD-FFD658C10BE5}" type="datetimeFigureOut">
               <a:rPr lang="en-US" smtClean="0"/>
-              <a:t>16-Dec-18</a:t>
+              <a:t>17-Dec-18</a:t>
             </a:fld>
             <a:endParaRPr lang="en-US"/>
           </a:p>
@@ -1831,7 +1832,7 @@
           <a:p>
             <a:fld id="{9A5D261F-A6ED-477E-A5DD-FFD658C10BE5}" type="datetimeFigureOut">
               <a:rPr lang="en-US" smtClean="0"/>
-              <a:t>16-Dec-18</a:t>
+              <a:t>17-Dec-18</a:t>
             </a:fld>
             <a:endParaRPr lang="en-US"/>
           </a:p>
@@ -2108,7 +2109,7 @@
           <a:p>
             <a:fld id="{9A5D261F-A6ED-477E-A5DD-FFD658C10BE5}" type="datetimeFigureOut">
               <a:rPr lang="en-US" smtClean="0"/>
-              <a:t>16-Dec-18</a:t>
+              <a:t>17-Dec-18</a:t>
             </a:fld>
             <a:endParaRPr lang="en-US"/>
           </a:p>
@@ -2361,7 +2362,7 @@
           <a:p>
             <a:fld id="{9A5D261F-A6ED-477E-A5DD-FFD658C10BE5}" type="datetimeFigureOut">
               <a:rPr lang="en-US" smtClean="0"/>
-              <a:t>16-Dec-18</a:t>
+              <a:t>17-Dec-18</a:t>
             </a:fld>
             <a:endParaRPr lang="en-US"/>
           </a:p>
@@ -2574,7 +2575,7 @@
           <a:p>
             <a:fld id="{9A5D261F-A6ED-477E-A5DD-FFD658C10BE5}" type="datetimeFigureOut">
               <a:rPr lang="en-US" smtClean="0"/>
-              <a:t>16-Dec-18</a:t>
+              <a:t>17-Dec-18</a:t>
             </a:fld>
             <a:endParaRPr lang="en-US"/>
           </a:p>
@@ -3338,21 +3339,11 @@
           <a:p>
             <a:r>
               <a:rPr lang="en-US" dirty="0" smtClean="0"/>
-              <a:t>Shorten the Period to update Pheromone matrix every 5-10 minutes.</a:t>
-            </a:r>
-          </a:p>
-          <a:p>
+              <a:t>Incorporate </a:t>
+            </a:r>
             <a:r>
               <a:rPr lang="en-US" dirty="0" smtClean="0"/>
-              <a:t>Incorporate Energy </a:t>
-            </a:r>
-            <a:r>
-              <a:rPr lang="en-US" dirty="0" smtClean="0"/>
-              <a:t>Losses/ Transmission Losses </a:t>
-            </a:r>
-            <a:r>
-              <a:rPr lang="en-US" dirty="0" smtClean="0"/>
-              <a:t>of </a:t>
+              <a:t>Energy Losses/ Transmission Losses of </a:t>
             </a:r>
             <a:r>
               <a:rPr lang="en-US" dirty="0"/>
@@ -3372,15 +3363,7 @@
           <a:p>
             <a:r>
               <a:rPr lang="en-US" dirty="0" smtClean="0"/>
-              <a:t>Use better penalty functions for violation of </a:t>
-            </a:r>
-            <a:r>
-              <a:rPr lang="en-US" dirty="0" smtClean="0"/>
-              <a:t>constraints, </a:t>
-            </a:r>
-            <a:r>
-              <a:rPr lang="en-US" dirty="0" smtClean="0"/>
-              <a:t>to increase rate of convergence to optimal solution.</a:t>
+              <a:t>Use better penalty functions for violation of constraints, to increase rate of convergence to optimal solution.</a:t>
             </a:r>
             <a:endParaRPr lang="en-US" dirty="0"/>
           </a:p>
@@ -3403,6 +3386,81 @@
       </p:par>
     </p:tnLst>
   </p:timing>
+</p:sld>
+</file>
+
+<file path=ppt/slides/slide12.xml><?xml version="1.0" encoding="utf-8"?>
+<p:sld xmlns:a="http://schemas.openxmlformats.org/drawingml/2006/main" xmlns:r="http://schemas.openxmlformats.org/officeDocument/2006/relationships" xmlns:p="http://schemas.openxmlformats.org/presentationml/2006/main">
+  <p:cSld>
+    <p:spTree>
+      <p:nvGrpSpPr>
+        <p:cNvPr id="1" name=""/>
+        <p:cNvGrpSpPr/>
+        <p:nvPr/>
+      </p:nvGrpSpPr>
+      <p:grpSpPr>
+        <a:xfrm>
+          <a:off x="0" y="0"/>
+          <a:ext cx="0" cy="0"/>
+          <a:chOff x="0" y="0"/>
+          <a:chExt cx="0" cy="0"/>
+        </a:xfrm>
+      </p:grpSpPr>
+      <p:sp>
+        <p:nvSpPr>
+          <p:cNvPr id="2" name="Title 1"/>
+          <p:cNvSpPr>
+            <a:spLocks noGrp="1"/>
+          </p:cNvSpPr>
+          <p:nvPr>
+            <p:ph type="title"/>
+          </p:nvPr>
+        </p:nvSpPr>
+        <p:spPr/>
+        <p:txBody>
+          <a:bodyPr/>
+          <a:lstStyle/>
+          <a:p>
+            <a:r>
+              <a:rPr lang="en-US" dirty="0" smtClean="0"/>
+              <a:t>References</a:t>
+            </a:r>
+            <a:endParaRPr lang="en-US" dirty="0"/>
+          </a:p>
+        </p:txBody>
+      </p:sp>
+      <p:sp>
+        <p:nvSpPr>
+          <p:cNvPr id="3" name="Content Placeholder 2"/>
+          <p:cNvSpPr>
+            <a:spLocks noGrp="1"/>
+          </p:cNvSpPr>
+          <p:nvPr>
+            <p:ph idx="1"/>
+          </p:nvPr>
+        </p:nvSpPr>
+        <p:spPr/>
+        <p:txBody>
+          <a:bodyPr/>
+          <a:lstStyle/>
+          <a:p>
+            <a:r>
+              <a:rPr lang="en-US" dirty="0"/>
+              <a:t>https://airccse.com/aeij/papers/3316aeij02.pdf</a:t>
+            </a:r>
+          </a:p>
+        </p:txBody>
+      </p:sp>
+    </p:spTree>
+    <p:extLst>
+      <p:ext uri="{BB962C8B-B14F-4D97-AF65-F5344CB8AC3E}">
+        <p14:creationId xmlns:p14="http://schemas.microsoft.com/office/powerpoint/2010/main" val="1881247576"/>
+      </p:ext>
+    </p:extLst>
+  </p:cSld>
+  <p:clrMapOvr>
+    <a:masterClrMapping/>
+  </p:clrMapOvr>
 </p:sld>
 </file>
 
@@ -3459,30 +3517,14 @@
         <p:spPr/>
         <p:txBody>
           <a:bodyPr>
-            <a:normAutofit lnSpcReduction="10000"/>
+            <a:normAutofit/>
           </a:bodyPr>
           <a:lstStyle/>
           <a:p>
             <a:pPr algn="just"/>
             <a:r>
               <a:rPr lang="en-US" dirty="0" smtClean="0"/>
-              <a:t>Find the optimal utilization of generative units to minimize the full action cost subject to problem constraints like daily load demand curve and generator unit properties like spinning reserve, minimum start/ stop time, start-up cost by hot/ cold method, </a:t>
-            </a:r>
-            <a:r>
-              <a:rPr lang="en-US" dirty="0" smtClean="0"/>
-              <a:t>Shut down </a:t>
-            </a:r>
-            <a:r>
-              <a:rPr lang="en-US" dirty="0" smtClean="0"/>
-              <a:t>cost, maximum/ minimum production limit, Ramp Up/ Down Limits </a:t>
-            </a:r>
-            <a:r>
-              <a:rPr lang="en-US" dirty="0" smtClean="0"/>
-              <a:t>etc</a:t>
-            </a:r>
-            <a:r>
-              <a:rPr lang="en-US" dirty="0" smtClean="0"/>
-              <a:t>.</a:t>
+              <a:t>Find the optimal utilization of generative units to minimize the full action cost subject to problem constraints like daily load demand curve and generator unit properties like spinning reserve, minimum start/ stop time, start-up cost by hot/ cold method, Shut down cost, maximum/ minimum production limit, Ramp Up/ Down Limits etc.</a:t>
             </a:r>
           </a:p>
           <a:p>
@@ -3500,27 +3542,15 @@
             <a:pPr algn="just"/>
             <a:r>
               <a:rPr lang="en-US" dirty="0" smtClean="0"/>
-              <a:t>Some methods include exhaustive enumeration method, priority list, dynamic programming, Lagrange method, least square method, </a:t>
-            </a:r>
-            <a:r>
-              <a:rPr lang="en-US" dirty="0" err="1"/>
-              <a:t>T</a:t>
-            </a:r>
-            <a:r>
-              <a:rPr lang="en-US" dirty="0" err="1" smtClean="0"/>
-              <a:t>abu</a:t>
+              <a:t>Some methods include exhaustive enumeration method, priority list, dynamic programming, Lagrange method, least square </a:t>
             </a:r>
             <a:r>
               <a:rPr lang="en-US" dirty="0" smtClean="0"/>
-              <a:t> search, neural network, fuzzy logic, genetic algorithm, particle swarm optimization, teaching-learning </a:t>
-            </a:r>
-            <a:r>
-              <a:rPr lang="en-US" dirty="0"/>
-              <a:t>based optimization </a:t>
+              <a:t>method and </a:t>
             </a:r>
             <a:r>
               <a:rPr lang="en-US" dirty="0" smtClean="0"/>
-              <a:t>and ant colony algorithm. </a:t>
+              <a:t>ant colony algorithm. </a:t>
             </a:r>
           </a:p>
           <a:p>
@@ -6401,7 +6431,15 @@
                 </a:r>
                 <a:r>
                   <a:rPr lang="en-US" sz="11200" dirty="0" smtClean="0"/>
-                  <a:t>-j relocation path cost </a:t>
+                  <a:t>-j relocation </a:t>
+                </a:r>
+                <a:r>
+                  <a:rPr lang="en-US" sz="11200" dirty="0" smtClean="0"/>
+                  <a:t>path </a:t>
+                </a:r>
+                <a:r>
+                  <a:rPr lang="en-US" sz="11200" dirty="0" smtClean="0"/>
+                  <a:t>cost </a:t>
                 </a:r>
                 <a14:m>
                   <m:oMath xmlns:m="http://schemas.openxmlformats.org/officeDocument/2006/math">
@@ -6898,6 +6936,12 @@
                             </m:sSubPr>
                             <m:e>
                               <m:r>
+                                <a:rPr lang="en-US" sz="6600" b="0" i="1" smtClean="0">
+                                  <a:latin typeface="Cambria Math" panose="02040503050406030204" pitchFamily="18" charset="0"/>
+                                </a:rPr>
+                                <m:t>(</m:t>
+                              </m:r>
+                              <m:r>
                                 <m:rPr>
                                   <m:sty m:val="p"/>
                                 </m:rPr>
@@ -7065,6 +7109,201 @@
                               </m:r>
                             </m:sub>
                           </m:sSub>
+                          <m:r>
+                            <a:rPr lang="en-US" sz="6600" b="0" i="1" smtClean="0">
+                              <a:latin typeface="Cambria Math" panose="02040503050406030204" pitchFamily="18" charset="0"/>
+                            </a:rPr>
+                            <m:t>)−</m:t>
+                          </m:r>
+                          <m:sSub>
+                            <m:sSubPr>
+                              <m:ctrlPr>
+                                <a:rPr lang="en-US" sz="6000" i="1">
+                                  <a:latin typeface="Cambria Math" panose="02040503050406030204" pitchFamily="18" charset="0"/>
+                                </a:rPr>
+                              </m:ctrlPr>
+                            </m:sSubPr>
+                            <m:e>
+                              <m:r>
+                                <a:rPr lang="en-US" sz="6000" i="1">
+                                  <a:latin typeface="Cambria Math" panose="02040503050406030204" pitchFamily="18" charset="0"/>
+                                </a:rPr>
+                                <m:t>(</m:t>
+                              </m:r>
+                              <m:r>
+                                <m:rPr>
+                                  <m:sty m:val="p"/>
+                                </m:rPr>
+                                <a:rPr lang="el-GR" sz="6000" i="1">
+                                  <a:latin typeface="Cambria Math" panose="02040503050406030204" pitchFamily="18" charset="0"/>
+                                </a:rPr>
+                                <m:t>α</m:t>
+                              </m:r>
+                            </m:e>
+                            <m:sub>
+                              <m:r>
+                                <a:rPr lang="en-US" sz="6000" b="0" i="1" smtClean="0">
+                                  <a:latin typeface="Cambria Math" panose="02040503050406030204" pitchFamily="18" charset="0"/>
+                                </a:rPr>
+                                <m:t>𝑖</m:t>
+                              </m:r>
+                            </m:sub>
+                          </m:sSub>
+                          <m:sSup>
+                            <m:sSupPr>
+                              <m:ctrlPr>
+                                <a:rPr lang="en-US" sz="6000" i="1">
+                                  <a:latin typeface="Cambria Math" panose="02040503050406030204" pitchFamily="18" charset="0"/>
+                                </a:rPr>
+                              </m:ctrlPr>
+                            </m:sSupPr>
+                            <m:e>
+                              <m:r>
+                                <a:rPr lang="en-US" sz="6000" i="1">
+                                  <a:latin typeface="Cambria Math" panose="02040503050406030204" pitchFamily="18" charset="0"/>
+                                </a:rPr>
+                                <m:t>(</m:t>
+                              </m:r>
+                              <m:sSub>
+                                <m:sSubPr>
+                                  <m:ctrlPr>
+                                    <a:rPr lang="en-US" sz="6000" i="1">
+                                      <a:latin typeface="Cambria Math" panose="02040503050406030204" pitchFamily="18" charset="0"/>
+                                    </a:rPr>
+                                  </m:ctrlPr>
+                                </m:sSubPr>
+                                <m:e>
+                                  <m:r>
+                                    <a:rPr lang="en-US" sz="8000" i="1">
+                                      <a:latin typeface="Cambria Math" panose="02040503050406030204" pitchFamily="18" charset="0"/>
+                                    </a:rPr>
+                                    <m:t>𝑃</m:t>
+                                  </m:r>
+                                </m:e>
+                                <m:sub>
+                                  <m:r>
+                                    <a:rPr lang="en-US" sz="6000" b="0" i="1" smtClean="0">
+                                      <a:latin typeface="Cambria Math" panose="02040503050406030204" pitchFamily="18" charset="0"/>
+                                    </a:rPr>
+                                    <m:t>𝑖</m:t>
+                                  </m:r>
+                                </m:sub>
+                              </m:sSub>
+                              <m:r>
+                                <a:rPr lang="en-US" sz="6000" i="1">
+                                  <a:latin typeface="Cambria Math" panose="02040503050406030204" pitchFamily="18" charset="0"/>
+                                </a:rPr>
+                                <m:t>)</m:t>
+                              </m:r>
+                            </m:e>
+                            <m:sup>
+                              <m:r>
+                                <a:rPr lang="en-US" sz="6000" i="1">
+                                  <a:latin typeface="Cambria Math" panose="02040503050406030204" pitchFamily="18" charset="0"/>
+                                </a:rPr>
+                                <m:t>2</m:t>
+                              </m:r>
+                            </m:sup>
+                          </m:sSup>
+                          <m:r>
+                            <a:rPr lang="en-US" sz="6000" i="1">
+                              <a:latin typeface="Cambria Math" panose="02040503050406030204" pitchFamily="18" charset="0"/>
+                            </a:rPr>
+                            <m:t>+</m:t>
+                          </m:r>
+                          <m:sSub>
+                            <m:sSubPr>
+                              <m:ctrlPr>
+                                <a:rPr lang="en-US" sz="5400" i="1">
+                                  <a:latin typeface="Cambria Math" panose="02040503050406030204" pitchFamily="18" charset="0"/>
+                                </a:rPr>
+                              </m:ctrlPr>
+                            </m:sSubPr>
+                            <m:e>
+                              <m:r>
+                                <m:rPr>
+                                  <m:sty m:val="p"/>
+                                </m:rPr>
+                                <a:rPr lang="el-GR" sz="5400" i="1">
+                                  <a:latin typeface="Cambria Math" panose="02040503050406030204" pitchFamily="18" charset="0"/>
+                                </a:rPr>
+                                <m:t>β</m:t>
+                              </m:r>
+                            </m:e>
+                            <m:sub>
+                              <m:r>
+                                <a:rPr lang="en-US" sz="5400" b="0" i="1" smtClean="0">
+                                  <a:latin typeface="Cambria Math" panose="02040503050406030204" pitchFamily="18" charset="0"/>
+                                </a:rPr>
+                                <m:t>𝑖</m:t>
+                              </m:r>
+                            </m:sub>
+                          </m:sSub>
+                          <m:sSub>
+                            <m:sSubPr>
+                              <m:ctrlPr>
+                                <a:rPr lang="en-US" sz="5400" i="1">
+                                  <a:latin typeface="Cambria Math" panose="02040503050406030204" pitchFamily="18" charset="0"/>
+                                </a:rPr>
+                              </m:ctrlPr>
+                            </m:sSubPr>
+                            <m:e>
+                              <m:r>
+                                <a:rPr lang="en-US" sz="7200" i="1">
+                                  <a:latin typeface="Cambria Math" panose="02040503050406030204" pitchFamily="18" charset="0"/>
+                                </a:rPr>
+                                <m:t>𝑃</m:t>
+                              </m:r>
+                            </m:e>
+                            <m:sub>
+                              <m:r>
+                                <a:rPr lang="en-US" sz="7200" b="0" i="1" smtClean="0">
+                                  <a:latin typeface="Cambria Math" panose="02040503050406030204" pitchFamily="18" charset="0"/>
+                                </a:rPr>
+                                <m:t>𝑖</m:t>
+                              </m:r>
+                            </m:sub>
+                          </m:sSub>
+                          <m:r>
+                            <a:rPr lang="en-US" sz="6000" i="1">
+                              <a:latin typeface="Cambria Math" panose="02040503050406030204" pitchFamily="18" charset="0"/>
+                            </a:rPr>
+                            <m:t>+</m:t>
+                          </m:r>
+                          <m:sSub>
+                            <m:sSubPr>
+                              <m:ctrlPr>
+                                <a:rPr lang="en-US" sz="6000" i="1">
+                                  <a:latin typeface="Cambria Math" panose="02040503050406030204" pitchFamily="18" charset="0"/>
+                                </a:rPr>
+                              </m:ctrlPr>
+                            </m:sSubPr>
+                            <m:e>
+                              <m:r>
+                                <m:rPr>
+                                  <m:sty m:val="p"/>
+                                </m:rPr>
+                                <a:rPr lang="el-GR" sz="6000" i="1">
+                                  <a:latin typeface="Cambria Math" panose="02040503050406030204" pitchFamily="18" charset="0"/>
+                                </a:rPr>
+                                <m:t>γ</m:t>
+                              </m:r>
+                            </m:e>
+                            <m:sub>
+                              <m:r>
+                                <a:rPr lang="en-US" sz="6000" b="0" i="1" smtClean="0">
+                                  <a:latin typeface="Cambria Math" panose="02040503050406030204" pitchFamily="18" charset="0"/>
+                                </a:rPr>
+                                <m:t>𝑖</m:t>
+                              </m:r>
+                            </m:sub>
+                          </m:sSub>
+                          <m:r>
+                            <a:rPr lang="en-US" sz="6000" i="1">
+                              <a:latin typeface="Cambria Math" panose="02040503050406030204" pitchFamily="18" charset="0"/>
+                            </a:rPr>
+                            <m:t>)</m:t>
+                          </m:r>
                           <m:r>
                             <a:rPr lang="en-US" sz="6400" b="0" i="1" smtClean="0">
                               <a:latin typeface="Cambria Math" panose="02040503050406030204" pitchFamily="18" charset="0"/>
@@ -7751,13 +7990,7 @@
                             <a:rPr lang="en-US" sz="6400" i="1">
                               <a:latin typeface="Cambria Math" panose="02040503050406030204" pitchFamily="18" charset="0"/>
                             </a:rPr>
-                            <m:t>)</m:t>
-                          </m:r>
-                          <m:r>
-                            <a:rPr lang="en-US" sz="6400" i="1">
-                              <a:latin typeface="Cambria Math" panose="02040503050406030204" pitchFamily="18" charset="0"/>
-                            </a:rPr>
-                            <m:t>)+</m:t>
+                            <m:t>))+</m:t>
                           </m:r>
                           <m:sSub>
                             <m:sSubPr>
@@ -7939,13 +8172,7 @@
                             <a:rPr lang="en-US" sz="6400" i="1">
                               <a:latin typeface="Cambria Math" panose="02040503050406030204" pitchFamily="18" charset="0"/>
                             </a:rPr>
-                            <m:t>)</m:t>
-                          </m:r>
-                          <m:r>
-                            <a:rPr lang="en-US" sz="6400" i="1">
-                              <a:latin typeface="Cambria Math" panose="02040503050406030204" pitchFamily="18" charset="0"/>
-                            </a:rPr>
-                            <m:t>−</m:t>
+                            <m:t>)−</m:t>
                           </m:r>
                           <m:sSubSup>
                             <m:sSubSupPr>
@@ -8080,6 +8307,36 @@
               </a14:hiddenFill>
             </a:ext>
           </a:extLst>
+        </p:spPr>
+      </p:pic>
+      <p:pic>
+        <p:nvPicPr>
+          <p:cNvPr id="4" name="Picture 3"/>
+          <p:cNvPicPr>
+            <a:picLocks noChangeAspect="1"/>
+          </p:cNvPicPr>
+          <p:nvPr/>
+        </p:nvPicPr>
+        <p:blipFill>
+          <a:blip r:embed="rId4">
+            <a:extLst>
+              <a:ext uri="{28A0092B-C50C-407E-A947-70E740481C1C}">
+                <a14:useLocalDpi xmlns:a14="http://schemas.microsoft.com/office/drawing/2010/main" val="0"/>
+              </a:ext>
+            </a:extLst>
+          </a:blip>
+          <a:stretch>
+            <a:fillRect/>
+          </a:stretch>
+        </p:blipFill>
+        <p:spPr>
+          <a:xfrm>
+            <a:off x="10148869" y="2803885"/>
+            <a:ext cx="2043131" cy="1733480"/>
+          </a:xfrm>
+          <a:prstGeom prst="rect">
+            <a:avLst/>
+          </a:prstGeom>
         </p:spPr>
       </p:pic>
     </p:spTree>
@@ -8591,11 +8848,7 @@
                       </a:r>
                       <a:r>
                         <a:rPr lang="en-US" b="1" dirty="0" smtClean="0"/>
-                        <a:t>           </a:t>
-                      </a:r>
-                      <a:r>
-                        <a:rPr lang="en-US" b="1" dirty="0" smtClean="0"/>
-                        <a:t>Present</a:t>
+                        <a:t>           Present</a:t>
                       </a:r>
                       <a:r>
                         <a:rPr lang="en-US" b="1" baseline="0" dirty="0" smtClean="0"/>
@@ -9055,6 +9308,36 @@
           </a:extLst>
         </p:spPr>
       </p:pic>
+      <p:pic>
+        <p:nvPicPr>
+          <p:cNvPr id="4" name="Picture 3"/>
+          <p:cNvPicPr>
+            <a:picLocks noChangeAspect="1"/>
+          </p:cNvPicPr>
+          <p:nvPr/>
+        </p:nvPicPr>
+        <p:blipFill>
+          <a:blip r:embed="rId3">
+            <a:extLst>
+              <a:ext uri="{28A0092B-C50C-407E-A947-70E740481C1C}">
+                <a14:useLocalDpi xmlns:a14="http://schemas.microsoft.com/office/drawing/2010/main" val="0"/>
+              </a:ext>
+            </a:extLst>
+          </a:blip>
+          <a:stretch>
+            <a:fillRect/>
+          </a:stretch>
+        </p:blipFill>
+        <p:spPr>
+          <a:xfrm>
+            <a:off x="9382125" y="1977995"/>
+            <a:ext cx="1971675" cy="3520848"/>
+          </a:xfrm>
+          <a:prstGeom prst="rect">
+            <a:avLst/>
+          </a:prstGeom>
+        </p:spPr>
+      </p:pic>
     </p:spTree>
     <p:extLst>
       <p:ext uri="{BB962C8B-B14F-4D97-AF65-F5344CB8AC3E}">
@@ -9115,8 +9398,8 @@
           </a:p>
         </p:txBody>
       </p:sp>
-      <mc:AlternateContent xmlns:mc="http://schemas.openxmlformats.org/markup-compatibility/2006">
-        <mc:Choice xmlns:a14="http://schemas.microsoft.com/office/drawing/2010/main" Requires="a14">
+      <mc:AlternateContent xmlns:mc="http://schemas.openxmlformats.org/markup-compatibility/2006" xmlns:a14="http://schemas.microsoft.com/office/drawing/2010/main">
+        <mc:Choice Requires="a14">
           <p:sp>
             <p:nvSpPr>
               <p:cNvPr id="3" name="Content Placeholder 2"/>
@@ -9165,7 +9448,6 @@
                   <a:rPr lang="en-US" dirty="0" smtClean="0"/>
                   <a:t>=0.25.</a:t>
                 </a:r>
-                <a:endParaRPr lang="en-US" dirty="0" smtClean="0"/>
               </a:p>
               <a:p>
                 <a:endParaRPr lang="en-US" dirty="0"/>
@@ -9173,7 +9455,7 @@
             </p:txBody>
           </p:sp>
         </mc:Choice>
-        <mc:Fallback>
+        <mc:Fallback xmlns="">
           <p:sp>
             <p:nvSpPr>
               <p:cNvPr id="3" name="Content Placeholder 2"/>
